--- a/Презентация за проект Flight Manager.pptx
+++ b/Презентация за проект Flight Manager.pptx
@@ -114,6 +114,11 @@
       </a:defRPr>
     </a:lvl9pPr>
   </p:defaultTextStyle>
+  <p:extLst>
+    <p:ext uri="{EFAFB233-063F-42B5-8137-9DF3F51BA10A}">
+      <p15:sldGuideLst xmlns:p15="http://schemas.microsoft.com/office/powerpoint/2012/main"/>
+    </p:ext>
+  </p:extLst>
 </p:presentation>
 </file>
 
@@ -3036,13 +3041,13 @@
   <p:clrMapOvr>
     <a:masterClrMapping/>
   </p:clrMapOvr>
-  <mc:AlternateContent xmlns:mc="http://schemas.openxmlformats.org/markup-compatibility/2006">
-    <mc:Choice xmlns:p14="http://schemas.microsoft.com/office/powerpoint/2010/main" Requires="p14">
+  <mc:AlternateContent xmlns:mc="http://schemas.openxmlformats.org/markup-compatibility/2006" xmlns:p14="http://schemas.microsoft.com/office/powerpoint/2010/main">
+    <mc:Choice Requires="p14">
       <p:transition p14:dur="100">
         <p:cut/>
       </p:transition>
     </mc:Choice>
-    <mc:Fallback>
+    <mc:Fallback xmlns="">
       <p:transition>
         <p:cut/>
       </p:transition>
@@ -3736,13 +3741,13 @@
   <p:clrMapOvr>
     <a:masterClrMapping/>
   </p:clrMapOvr>
-  <mc:AlternateContent xmlns:mc="http://schemas.openxmlformats.org/markup-compatibility/2006">
-    <mc:Choice xmlns:p14="http://schemas.microsoft.com/office/powerpoint/2010/main" Requires="p14">
+  <mc:AlternateContent xmlns:mc="http://schemas.openxmlformats.org/markup-compatibility/2006" xmlns:p14="http://schemas.microsoft.com/office/powerpoint/2010/main">
+    <mc:Choice Requires="p14">
       <p:transition spd="med" p14:dur="700">
         <p:fade/>
       </p:transition>
     </mc:Choice>
-    <mc:Fallback>
+    <mc:Fallback xmlns="">
       <p:transition spd="med">
         <p:fade/>
       </p:transition>

--- a/Презентация за проект Flight Manager.pptx
+++ b/Презентация за проект Flight Manager.pptx
@@ -3342,7 +3342,23 @@
           <a:p>
             <a:r>
               <a:rPr lang="bg-BG" dirty="0"/>
-              <a:t>Целта на проекта е да се създаде програма за управление на полети. Чрез програма се добавят потребители от администраторски профил, създават се полети и могат да се създават резервации без потребилтелски вход. </a:t>
+              <a:t>Целта на проекта е да се създаде програма за управление на полети. Чрез </a:t>
+            </a:r>
+            <a:r>
+              <a:rPr lang="bg-BG" dirty="0" smtClean="0"/>
+              <a:t>програма</a:t>
+            </a:r>
+            <a:r>
+              <a:rPr lang="bg-BG" dirty="0" smtClean="0"/>
+              <a:t>та</a:t>
+            </a:r>
+            <a:r>
+              <a:rPr lang="bg-BG" dirty="0" smtClean="0"/>
+              <a:t> </a:t>
+            </a:r>
+            <a:r>
+              <a:rPr lang="bg-BG" dirty="0"/>
+              <a:t>се добавят потребители от администраторски профил, създават се полети и могат да се създават резервации без потребилтелски вход. </a:t>
             </a:r>
             <a:endParaRPr lang="en-US" dirty="0"/>
           </a:p>
@@ -4007,8 +4023,8 @@
         </p:blipFill>
         <p:spPr>
           <a:xfrm>
-            <a:off x="2227293" y="1825625"/>
-            <a:ext cx="7737414" cy="4351338"/>
+            <a:off x="4646140" y="2588262"/>
+            <a:ext cx="7015560" cy="3911290"/>
           </a:xfrm>
           <a:prstGeom prst="rect">
             <a:avLst/>
@@ -4023,7 +4039,7 @@
         </p:nvSpPr>
         <p:spPr>
           <a:xfrm>
-            <a:off x="337750" y="2207741"/>
+            <a:off x="345988" y="3336325"/>
             <a:ext cx="3426941" cy="1754326"/>
           </a:xfrm>
           <a:prstGeom prst="rect">
@@ -4080,7 +4096,7 @@
         </p:nvSpPr>
         <p:spPr>
           <a:xfrm>
-            <a:off x="4102443" y="1919544"/>
+            <a:off x="4646140" y="2207741"/>
             <a:ext cx="2358081" cy="369332"/>
           </a:xfrm>
           <a:prstGeom prst="rect">
@@ -4096,7 +4112,15 @@
           <a:p>
             <a:r>
               <a:rPr lang="bg-BG" dirty="0" smtClean="0"/>
-              <a:t>Създаване:</a:t>
+              <a:t>За с</a:t>
+            </a:r>
+            <a:r>
+              <a:rPr lang="bg-BG" dirty="0" smtClean="0"/>
+              <a:t>ъздаване</a:t>
+            </a:r>
+            <a:r>
+              <a:rPr lang="bg-BG" dirty="0" smtClean="0"/>
+              <a:t>:</a:t>
             </a:r>
             <a:endParaRPr lang="en-US" dirty="0"/>
           </a:p>
@@ -4175,7 +4199,7 @@
         <p:spPr>
           <a:xfrm>
             <a:off x="411892" y="626076"/>
-            <a:ext cx="8625017" cy="923330"/>
+            <a:ext cx="8625017" cy="954107"/>
           </a:xfrm>
           <a:prstGeom prst="rect">
             <a:avLst/>
@@ -4189,17 +4213,21 @@
           <a:lstStyle/>
           <a:p>
             <a:r>
+              <a:rPr lang="bg-BG" sz="2000" dirty="0" smtClean="0"/>
+              <a:t>Намираме вече създаден потребител и променяме неговите данни.</a:t>
+            </a:r>
+          </a:p>
+          <a:p>
+            <a:endParaRPr lang="bg-BG" dirty="0"/>
+          </a:p>
+          <a:p>
+            <a:r>
               <a:rPr lang="bg-BG" dirty="0" smtClean="0"/>
-              <a:t>Намираме вече създаден потребител и променяме неговите данни.</a:t>
-            </a:r>
-          </a:p>
-          <a:p>
-            <a:endParaRPr lang="bg-BG" dirty="0"/>
-          </a:p>
-          <a:p>
+              <a:t>За редактиране</a:t>
+            </a:r>
             <a:r>
               <a:rPr lang="bg-BG" dirty="0" smtClean="0"/>
-              <a:t>Редактиране:</a:t>
+              <a:t>:</a:t>
             </a:r>
             <a:endParaRPr lang="en-US" dirty="0"/>
           </a:p>

--- a/Презентация за проект Flight Manager.pptx
+++ b/Презентация за проект Flight Manager.pptx
@@ -3346,19 +3346,19 @@
             </a:r>
             <a:r>
               <a:rPr lang="bg-BG" dirty="0" smtClean="0"/>
-              <a:t>програма</a:t>
+              <a:t>програмата </a:t>
+            </a:r>
+            <a:r>
+              <a:rPr lang="bg-BG" dirty="0"/>
+              <a:t>се добавят потребители от администраторски профил, създават се полети и могат да се създават резервации без </a:t>
             </a:r>
             <a:r>
               <a:rPr lang="bg-BG" dirty="0" smtClean="0"/>
-              <a:t>та</a:t>
-            </a:r>
-            <a:r>
-              <a:rPr lang="bg-BG" dirty="0" smtClean="0"/>
-              <a:t> </a:t>
+              <a:t>потребителски </a:t>
             </a:r>
             <a:r>
               <a:rPr lang="bg-BG" dirty="0"/>
-              <a:t>се добавят потребители от администраторски профил, създават се полети и могат да се създават резервации без потребилтелски вход. </a:t>
+              <a:t>вход. </a:t>
             </a:r>
             <a:endParaRPr lang="en-US" dirty="0"/>
           </a:p>
@@ -3858,7 +3858,7 @@
         <p:spPr>
           <a:xfrm>
             <a:off x="6746790" y="3146855"/>
-            <a:ext cx="4942703" cy="1477328"/>
+            <a:ext cx="4942703" cy="1200329"/>
           </a:xfrm>
           <a:prstGeom prst="rect">
             <a:avLst/>
@@ -3921,11 +3921,15 @@
             </a:r>
             <a:r>
               <a:rPr lang="en-US" dirty="0"/>
-              <a:t>Id, Username, Email, Phone number </a:t>
-            </a:r>
-            <a:r>
-              <a:rPr lang="bg-BG" dirty="0"/>
-              <a:t>и се получава грешка, защото имаме 2 еднакви полета.</a:t>
+              <a:t>Id, Username, Email, Phone </a:t>
+            </a:r>
+            <a:r>
+              <a:rPr lang="en-US" dirty="0" smtClean="0"/>
+              <a:t>numbe</a:t>
+            </a:r>
+            <a:r>
+              <a:rPr lang="en-US" dirty="0" smtClean="0"/>
+              <a:t>r.</a:t>
             </a:r>
             <a:endParaRPr lang="en-US" dirty="0"/>
           </a:p>
@@ -4112,15 +4116,7 @@
           <a:p>
             <a:r>
               <a:rPr lang="bg-BG" dirty="0" smtClean="0"/>
-              <a:t>За с</a:t>
-            </a:r>
-            <a:r>
-              <a:rPr lang="bg-BG" dirty="0" smtClean="0"/>
-              <a:t>ъздаване</a:t>
-            </a:r>
-            <a:r>
-              <a:rPr lang="bg-BG" dirty="0" smtClean="0"/>
-              <a:t>:</a:t>
+              <a:t>За създаване:</a:t>
             </a:r>
             <a:endParaRPr lang="en-US" dirty="0"/>
           </a:p>
@@ -4223,11 +4219,7 @@
           <a:p>
             <a:r>
               <a:rPr lang="bg-BG" dirty="0" smtClean="0"/>
-              <a:t>За редактиране</a:t>
-            </a:r>
-            <a:r>
-              <a:rPr lang="bg-BG" dirty="0" smtClean="0"/>
-              <a:t>:</a:t>
+              <a:t>За редактиране:</a:t>
             </a:r>
             <a:endParaRPr lang="en-US" dirty="0"/>
           </a:p>
